--- a/Butch Cassidy Presentation.pptx
+++ b/Butch Cassidy Presentation.pptx
@@ -115,6 +115,11 @@
       </a:defRPr>
     </a:lvl9pPr>
   </p:defaultTextStyle>
+  <p:extLst>
+    <p:ext uri="{EFAFB233-063F-42B5-8137-9DF3F51BA10A}">
+      <p15:sldGuideLst xmlns:p15="http://schemas.microsoft.com/office/powerpoint/2012/main"/>
+    </p:ext>
+  </p:extLst>
 </p:presentation>
 </file>
 
@@ -3874,13 +3879,13 @@
   <p:clrMapOvr>
     <a:masterClrMapping/>
   </p:clrMapOvr>
-  <mc:AlternateContent xmlns:mc="http://schemas.openxmlformats.org/markup-compatibility/2006">
-    <mc:Choice xmlns:p14="http://schemas.microsoft.com/office/powerpoint/2010/main" Requires="p14">
+  <mc:AlternateContent xmlns:mc="http://schemas.openxmlformats.org/markup-compatibility/2006" xmlns:p14="http://schemas.microsoft.com/office/powerpoint/2010/main">
+    <mc:Choice Requires="p14">
       <p:transition spd="slow" p14:dur="1500">
         <p14:reveal/>
       </p:transition>
     </mc:Choice>
-    <mc:Fallback>
+    <mc:Fallback xmlns="">
       <p:transition spd="slow">
         <p:fade/>
       </p:transition>
@@ -6173,12 +6178,58 @@
           </a:bodyPr>
           <a:lstStyle/>
           <a:p>
-            <a:pPr marL="0" indent="0">
-              <a:buNone/>
+            <a:pPr marL="457200" indent="-457200">
+              <a:buFont typeface="+mj-lt"/>
+              <a:buAutoNum type="arabicPeriod"/>
             </a:pPr>
             <a:r>
               <a:rPr lang="af-ZA" sz="2400" dirty="0"/>
-              <a:t>Idk what to type here...</a:t>
+              <a:t>Light Gradient Boosting Machine – efficient, accurate, ease of use</a:t>
+            </a:r>
+          </a:p>
+          <a:p>
+            <a:pPr marL="457200" indent="-457200">
+              <a:buFont typeface="+mj-lt"/>
+              <a:buAutoNum type="arabicPeriod"/>
+            </a:pPr>
+            <a:r>
+              <a:rPr lang="af-ZA" sz="2400" dirty="0"/>
+              <a:t>Data included for predictions</a:t>
+            </a:r>
+          </a:p>
+          <a:p>
+            <a:pPr lvl="1"/>
+            <a:r>
+              <a:rPr lang="af-ZA" sz="2000" dirty="0"/>
+              <a:t>Weather – cloud cover, sunshine, max temperature, mean temperature, min temperature, precipitation</a:t>
+            </a:r>
+          </a:p>
+          <a:p>
+            <a:pPr lvl="1"/>
+            <a:r>
+              <a:rPr lang="af-ZA" sz="2000" dirty="0"/>
+              <a:t>Holidays</a:t>
+            </a:r>
+          </a:p>
+          <a:p>
+            <a:pPr lvl="1"/>
+            <a:r>
+              <a:rPr lang="af-ZA" sz="2000" dirty="0"/>
+              <a:t>Day, Week, Month, Year</a:t>
+            </a:r>
+          </a:p>
+          <a:p>
+            <a:pPr lvl="1"/>
+            <a:r>
+              <a:rPr lang="af-ZA" sz="2000" dirty="0"/>
+              <a:t>Day of week</a:t>
+            </a:r>
+          </a:p>
+          <a:p>
+            <a:pPr lvl="1"/>
+            <a:r>
+              <a:rPr lang="af-ZA" sz="2000" dirty="0"/>
+              <a:t>Season</a:t>
             </a:r>
           </a:p>
         </p:txBody>
@@ -6477,7 +6528,7 @@
             </a:pPr>
             <a:r>
               <a:rPr lang="af-ZA" sz="2400" dirty="0"/>
-              <a:t>Idk what to type here... II</a:t>
+              <a:t>Data Trained and Tested on total quantities per day:</a:t>
             </a:r>
           </a:p>
         </p:txBody>
@@ -7176,7 +7227,7 @@
                                           <p:attrName>ppt_y</p:attrName>
                                         </p:attrNameLst>
                                       </p:cBhvr>
-                                      <p:rCtr x="65" y="185"/>
+                                      <p:rCtr x="6500" y="18500"/>
                                     </p:animMotion>
                                   </p:childTnLst>
                                 </p:cTn>
@@ -7309,7 +7360,7 @@
                                           <p:attrName>ppt_y</p:attrName>
                                         </p:attrNameLst>
                                       </p:cBhvr>
-                                      <p:rCtr x="-65" y="-139"/>
+                                      <p:rCtr x="-6500" y="-13900"/>
                                     </p:animMotion>
                                   </p:childTnLst>
                                 </p:cTn>

--- a/Butch Cassidy Presentation.pptx
+++ b/Butch Cassidy Presentation.pptx
@@ -5,7 +5,7 @@
     <p:sldMasterId id="2147483648" r:id="rId1"/>
   </p:sldMasterIdLst>
   <p:notesMasterIdLst>
-    <p:notesMasterId r:id="rId11"/>
+    <p:notesMasterId r:id="rId12"/>
   </p:notesMasterIdLst>
   <p:sldIdLst>
     <p:sldId id="256" r:id="rId2"/>
@@ -13,10 +13,11 @@
     <p:sldId id="258" r:id="rId4"/>
     <p:sldId id="259" r:id="rId5"/>
     <p:sldId id="260" r:id="rId6"/>
-    <p:sldId id="261" r:id="rId7"/>
-    <p:sldId id="262" r:id="rId8"/>
-    <p:sldId id="263" r:id="rId9"/>
-    <p:sldId id="264" r:id="rId10"/>
+    <p:sldId id="265" r:id="rId7"/>
+    <p:sldId id="261" r:id="rId8"/>
+    <p:sldId id="262" r:id="rId9"/>
+    <p:sldId id="263" r:id="rId10"/>
+    <p:sldId id="264" r:id="rId11"/>
   </p:sldIdLst>
   <p:sldSz cx="12192000" cy="6858000"/>
   <p:notesSz cx="6858000" cy="9144000"/>
@@ -3894,6 +3895,644 @@
 </p:sld>
 </file>
 
+<file path=ppt/slides/slide10.xml><?xml version="1.0" encoding="utf-8"?>
+<p:sld xmlns:a="http://schemas.openxmlformats.org/drawingml/2006/main" xmlns:r="http://schemas.openxmlformats.org/officeDocument/2006/relationships" xmlns:p="http://schemas.openxmlformats.org/presentationml/2006/main">
+  <p:cSld>
+    <p:spTree>
+      <p:nvGrpSpPr>
+        <p:cNvPr id="1" name=""/>
+        <p:cNvGrpSpPr/>
+        <p:nvPr/>
+      </p:nvGrpSpPr>
+      <p:grpSpPr>
+        <a:xfrm>
+          <a:off x="0" y="0"/>
+          <a:ext cx="0" cy="0"/>
+          <a:chOff x="0" y="0"/>
+          <a:chExt cx="0" cy="0"/>
+        </a:xfrm>
+      </p:grpSpPr>
+      <p:sp>
+        <p:nvSpPr>
+          <p:cNvPr id="6" name="Subtitle 2">
+            <a:extLst>
+              <a:ext uri="{FF2B5EF4-FFF2-40B4-BE49-F238E27FC236}">
+                <a16:creationId xmlns:a16="http://schemas.microsoft.com/office/drawing/2014/main" id="{1B31E151-014A-459A-197C-A6550CAF3D54}"/>
+              </a:ext>
+            </a:extLst>
+          </p:cNvPr>
+          <p:cNvSpPr txBox="1">
+            <a:spLocks/>
+          </p:cNvSpPr>
+          <p:nvPr/>
+        </p:nvSpPr>
+        <p:spPr>
+          <a:xfrm>
+            <a:off x="2367157" y="3013379"/>
+            <a:ext cx="7457686" cy="831241"/>
+          </a:xfrm>
+          <a:prstGeom prst="roundRect">
+            <a:avLst/>
+          </a:prstGeom>
+          <a:solidFill>
+            <a:schemeClr val="bg1"/>
+          </a:solidFill>
+          <a:effectLst>
+            <a:outerShdw blurRad="50800" dist="38100" dir="2700000" algn="tl" rotWithShape="0">
+              <a:schemeClr val="bg2">
+                <a:alpha val="40000"/>
+              </a:schemeClr>
+            </a:outerShdw>
+          </a:effectLst>
+        </p:spPr>
+        <p:txBody>
+          <a:bodyPr vert="horz" wrap="square" lIns="180000" tIns="180000" rIns="180000" bIns="180000" rtlCol="0">
+            <a:spAutoFit/>
+          </a:bodyPr>
+          <a:lstStyle>
+            <a:lvl1pPr marL="228600" indent="-228600" algn="l" defTabSz="914400" rtl="0" eaLnBrk="1" latinLnBrk="0" hangingPunct="1">
+              <a:lnSpc>
+                <a:spcPct val="90000"/>
+              </a:lnSpc>
+              <a:spcBef>
+                <a:spcPts val="1000"/>
+              </a:spcBef>
+              <a:buFont typeface="Arial" panose="020B0604020202020204" pitchFamily="34" charset="0"/>
+              <a:buChar char="•"/>
+              <a:defRPr sz="2800" kern="1200">
+                <a:solidFill>
+                  <a:schemeClr val="tx1"/>
+                </a:solidFill>
+                <a:latin typeface="+mn-lt"/>
+                <a:ea typeface="+mn-ea"/>
+                <a:cs typeface="+mn-cs"/>
+              </a:defRPr>
+            </a:lvl1pPr>
+            <a:lvl2pPr marL="685800" indent="-228600" algn="l" defTabSz="914400" rtl="0" eaLnBrk="1" latinLnBrk="0" hangingPunct="1">
+              <a:lnSpc>
+                <a:spcPct val="90000"/>
+              </a:lnSpc>
+              <a:spcBef>
+                <a:spcPts val="500"/>
+              </a:spcBef>
+              <a:buFont typeface="Arial" panose="020B0604020202020204" pitchFamily="34" charset="0"/>
+              <a:buChar char="•"/>
+              <a:defRPr sz="2400" kern="1200">
+                <a:solidFill>
+                  <a:schemeClr val="tx1"/>
+                </a:solidFill>
+                <a:latin typeface="+mn-lt"/>
+                <a:ea typeface="+mn-ea"/>
+                <a:cs typeface="+mn-cs"/>
+              </a:defRPr>
+            </a:lvl2pPr>
+            <a:lvl3pPr marL="1143000" indent="-228600" algn="l" defTabSz="914400" rtl="0" eaLnBrk="1" latinLnBrk="0" hangingPunct="1">
+              <a:lnSpc>
+                <a:spcPct val="90000"/>
+              </a:lnSpc>
+              <a:spcBef>
+                <a:spcPts val="500"/>
+              </a:spcBef>
+              <a:buFont typeface="Arial" panose="020B0604020202020204" pitchFamily="34" charset="0"/>
+              <a:buChar char="•"/>
+              <a:defRPr sz="2000" kern="1200">
+                <a:solidFill>
+                  <a:schemeClr val="tx1"/>
+                </a:solidFill>
+                <a:latin typeface="+mn-lt"/>
+                <a:ea typeface="+mn-ea"/>
+                <a:cs typeface="+mn-cs"/>
+              </a:defRPr>
+            </a:lvl3pPr>
+            <a:lvl4pPr marL="1600200" indent="-228600" algn="l" defTabSz="914400" rtl="0" eaLnBrk="1" latinLnBrk="0" hangingPunct="1">
+              <a:lnSpc>
+                <a:spcPct val="90000"/>
+              </a:lnSpc>
+              <a:spcBef>
+                <a:spcPts val="500"/>
+              </a:spcBef>
+              <a:buFont typeface="Arial" panose="020B0604020202020204" pitchFamily="34" charset="0"/>
+              <a:buChar char="•"/>
+              <a:defRPr sz="1800" kern="1200">
+                <a:solidFill>
+                  <a:schemeClr val="tx1"/>
+                </a:solidFill>
+                <a:latin typeface="+mn-lt"/>
+                <a:ea typeface="+mn-ea"/>
+                <a:cs typeface="+mn-cs"/>
+              </a:defRPr>
+            </a:lvl4pPr>
+            <a:lvl5pPr marL="2057400" indent="-228600" algn="l" defTabSz="914400" rtl="0" eaLnBrk="1" latinLnBrk="0" hangingPunct="1">
+              <a:lnSpc>
+                <a:spcPct val="90000"/>
+              </a:lnSpc>
+              <a:spcBef>
+                <a:spcPts val="500"/>
+              </a:spcBef>
+              <a:buFont typeface="Arial" panose="020B0604020202020204" pitchFamily="34" charset="0"/>
+              <a:buChar char="•"/>
+              <a:defRPr sz="1800" kern="1200">
+                <a:solidFill>
+                  <a:schemeClr val="tx1"/>
+                </a:solidFill>
+                <a:latin typeface="+mn-lt"/>
+                <a:ea typeface="+mn-ea"/>
+                <a:cs typeface="+mn-cs"/>
+              </a:defRPr>
+            </a:lvl5pPr>
+            <a:lvl6pPr marL="2514600" indent="-228600" algn="l" defTabSz="914400" rtl="0" eaLnBrk="1" latinLnBrk="0" hangingPunct="1">
+              <a:lnSpc>
+                <a:spcPct val="90000"/>
+              </a:lnSpc>
+              <a:spcBef>
+                <a:spcPts val="500"/>
+              </a:spcBef>
+              <a:buFont typeface="Arial" panose="020B0604020202020204" pitchFamily="34" charset="0"/>
+              <a:buChar char="•"/>
+              <a:defRPr sz="1800" kern="1200">
+                <a:solidFill>
+                  <a:schemeClr val="tx1"/>
+                </a:solidFill>
+                <a:latin typeface="+mn-lt"/>
+                <a:ea typeface="+mn-ea"/>
+                <a:cs typeface="+mn-cs"/>
+              </a:defRPr>
+            </a:lvl6pPr>
+            <a:lvl7pPr marL="2971800" indent="-228600" algn="l" defTabSz="914400" rtl="0" eaLnBrk="1" latinLnBrk="0" hangingPunct="1">
+              <a:lnSpc>
+                <a:spcPct val="90000"/>
+              </a:lnSpc>
+              <a:spcBef>
+                <a:spcPts val="500"/>
+              </a:spcBef>
+              <a:buFont typeface="Arial" panose="020B0604020202020204" pitchFamily="34" charset="0"/>
+              <a:buChar char="•"/>
+              <a:defRPr sz="1800" kern="1200">
+                <a:solidFill>
+                  <a:schemeClr val="tx1"/>
+                </a:solidFill>
+                <a:latin typeface="+mn-lt"/>
+                <a:ea typeface="+mn-ea"/>
+                <a:cs typeface="+mn-cs"/>
+              </a:defRPr>
+            </a:lvl7pPr>
+            <a:lvl8pPr marL="3429000" indent="-228600" algn="l" defTabSz="914400" rtl="0" eaLnBrk="1" latinLnBrk="0" hangingPunct="1">
+              <a:lnSpc>
+                <a:spcPct val="90000"/>
+              </a:lnSpc>
+              <a:spcBef>
+                <a:spcPts val="500"/>
+              </a:spcBef>
+              <a:buFont typeface="Arial" panose="020B0604020202020204" pitchFamily="34" charset="0"/>
+              <a:buChar char="•"/>
+              <a:defRPr sz="1800" kern="1200">
+                <a:solidFill>
+                  <a:schemeClr val="tx1"/>
+                </a:solidFill>
+                <a:latin typeface="+mn-lt"/>
+                <a:ea typeface="+mn-ea"/>
+                <a:cs typeface="+mn-cs"/>
+              </a:defRPr>
+            </a:lvl8pPr>
+            <a:lvl9pPr marL="3886200" indent="-228600" algn="l" defTabSz="914400" rtl="0" eaLnBrk="1" latinLnBrk="0" hangingPunct="1">
+              <a:lnSpc>
+                <a:spcPct val="90000"/>
+              </a:lnSpc>
+              <a:spcBef>
+                <a:spcPts val="500"/>
+              </a:spcBef>
+              <a:buFont typeface="Arial" panose="020B0604020202020204" pitchFamily="34" charset="0"/>
+              <a:buChar char="•"/>
+              <a:defRPr sz="1800" kern="1200">
+                <a:solidFill>
+                  <a:schemeClr val="tx1"/>
+                </a:solidFill>
+                <a:latin typeface="+mn-lt"/>
+                <a:ea typeface="+mn-ea"/>
+                <a:cs typeface="+mn-cs"/>
+              </a:defRPr>
+            </a:lvl9pPr>
+          </a:lstStyle>
+          <a:p>
+            <a:pPr marL="0" indent="0">
+              <a:buNone/>
+            </a:pPr>
+            <a:r>
+              <a:rPr lang="af-ZA" dirty="0"/>
+              <a:t>Thank you</a:t>
+            </a:r>
+            <a:endParaRPr lang="en-ZA" dirty="0"/>
+          </a:p>
+        </p:txBody>
+      </p:sp>
+      <p:cxnSp>
+        <p:nvCxnSpPr>
+          <p:cNvPr id="8" name="Straight Connector 7">
+            <a:extLst>
+              <a:ext uri="{FF2B5EF4-FFF2-40B4-BE49-F238E27FC236}">
+                <a16:creationId xmlns:a16="http://schemas.microsoft.com/office/drawing/2014/main" id="{836926AE-85FE-4909-46E4-1B57A3E57804}"/>
+              </a:ext>
+            </a:extLst>
+          </p:cNvPr>
+          <p:cNvCxnSpPr>
+            <a:cxnSpLocks/>
+          </p:cNvCxnSpPr>
+          <p:nvPr/>
+        </p:nvCxnSpPr>
+        <p:spPr>
+          <a:xfrm flipV="1">
+            <a:off x="4214245" y="3157566"/>
+            <a:ext cx="0" cy="457200"/>
+          </a:xfrm>
+          <a:prstGeom prst="line">
+            <a:avLst/>
+          </a:prstGeom>
+          <a:ln>
+            <a:solidFill>
+              <a:schemeClr val="tx1"/>
+            </a:solidFill>
+          </a:ln>
+        </p:spPr>
+        <p:style>
+          <a:lnRef idx="1">
+            <a:schemeClr val="accent1"/>
+          </a:lnRef>
+          <a:fillRef idx="0">
+            <a:schemeClr val="accent1"/>
+          </a:fillRef>
+          <a:effectRef idx="0">
+            <a:schemeClr val="accent1"/>
+          </a:effectRef>
+          <a:fontRef idx="minor">
+            <a:schemeClr val="tx1"/>
+          </a:fontRef>
+        </p:style>
+      </p:cxnSp>
+      <p:sp>
+        <p:nvSpPr>
+          <p:cNvPr id="13" name="Rectangle: Rounded Corners 12">
+            <a:extLst>
+              <a:ext uri="{FF2B5EF4-FFF2-40B4-BE49-F238E27FC236}">
+                <a16:creationId xmlns:a16="http://schemas.microsoft.com/office/drawing/2014/main" id="{C4AC2E61-F5C5-9381-278D-90DD2B0800B4}"/>
+              </a:ext>
+            </a:extLst>
+          </p:cNvPr>
+          <p:cNvSpPr/>
+          <p:nvPr/>
+        </p:nvSpPr>
+        <p:spPr>
+          <a:xfrm>
+            <a:off x="8379524" y="3157566"/>
+            <a:ext cx="1276346" cy="526256"/>
+          </a:xfrm>
+          <a:prstGeom prst="roundRect">
+            <a:avLst/>
+          </a:prstGeom>
+          <a:solidFill>
+            <a:srgbClr val="2C0070"/>
+          </a:solidFill>
+          <a:ln>
+            <a:noFill/>
+          </a:ln>
+          <a:effectLst>
+            <a:outerShdw blurRad="50800" dist="38100" dir="2700000" algn="tl" rotWithShape="0">
+              <a:schemeClr val="tx1">
+                <a:alpha val="40000"/>
+              </a:schemeClr>
+            </a:outerShdw>
+          </a:effectLst>
+        </p:spPr>
+        <p:style>
+          <a:lnRef idx="2">
+            <a:schemeClr val="accent1">
+              <a:shade val="50000"/>
+            </a:schemeClr>
+          </a:lnRef>
+          <a:fillRef idx="1">
+            <a:schemeClr val="accent1"/>
+          </a:fillRef>
+          <a:effectRef idx="0">
+            <a:schemeClr val="accent1"/>
+          </a:effectRef>
+          <a:fontRef idx="minor">
+            <a:schemeClr val="lt1"/>
+          </a:fontRef>
+        </p:style>
+        <p:txBody>
+          <a:bodyPr rtlCol="0" anchor="ctr"/>
+          <a:lstStyle/>
+          <a:p>
+            <a:pPr algn="ctr"/>
+            <a:r>
+              <a:rPr lang="af-ZA" dirty="0"/>
+              <a:t>Send</a:t>
+            </a:r>
+            <a:endParaRPr lang="en-ZA" dirty="0"/>
+          </a:p>
+        </p:txBody>
+      </p:sp>
+    </p:spTree>
+    <p:extLst>
+      <p:ext uri="{BB962C8B-B14F-4D97-AF65-F5344CB8AC3E}">
+        <p14:creationId xmlns:p14="http://schemas.microsoft.com/office/powerpoint/2010/main" val="1591879513"/>
+      </p:ext>
+    </p:extLst>
+  </p:cSld>
+  <p:clrMapOvr>
+    <a:masterClrMapping/>
+  </p:clrMapOvr>
+  <p:transition spd="slow">
+    <p:cover/>
+  </p:transition>
+  <p:timing>
+    <p:tnLst>
+      <p:par>
+        <p:cTn id="1" dur="indefinite" restart="never" nodeType="tmRoot">
+          <p:childTnLst>
+            <p:seq concurrent="1" nextAc="seek">
+              <p:cTn id="2" dur="indefinite" nodeType="mainSeq">
+                <p:childTnLst>
+                  <p:par>
+                    <p:cTn id="3" fill="hold">
+                      <p:stCondLst>
+                        <p:cond delay="indefinite"/>
+                        <p:cond evt="onBegin" delay="0">
+                          <p:tn val="2"/>
+                        </p:cond>
+                      </p:stCondLst>
+                      <p:childTnLst>
+                        <p:par>
+                          <p:cTn id="4" fill="hold">
+                            <p:stCondLst>
+                              <p:cond delay="0"/>
+                            </p:stCondLst>
+                            <p:childTnLst>
+                              <p:par>
+                                <p:cTn id="5" presetID="10" presetClass="entr" presetSubtype="0" repeatCount="indefinite" fill="hold" nodeType="withEffect">
+                                  <p:stCondLst>
+                                    <p:cond delay="0"/>
+                                  </p:stCondLst>
+                                  <p:endCondLst>
+                                    <p:cond evt="onNext" delay="0">
+                                      <p:tgtEl>
+                                        <p:sldTgt/>
+                                      </p:tgtEl>
+                                    </p:cond>
+                                  </p:endCondLst>
+                                  <p:childTnLst>
+                                    <p:set>
+                                      <p:cBhvr>
+                                        <p:cTn id="6" dur="1" fill="hold">
+                                          <p:stCondLst>
+                                            <p:cond delay="0"/>
+                                          </p:stCondLst>
+                                        </p:cTn>
+                                        <p:tgtEl>
+                                          <p:spTgt spid="8"/>
+                                        </p:tgtEl>
+                                        <p:attrNameLst>
+                                          <p:attrName>style.visibility</p:attrName>
+                                        </p:attrNameLst>
+                                      </p:cBhvr>
+                                      <p:to>
+                                        <p:strVal val="visible"/>
+                                      </p:to>
+                                    </p:set>
+                                    <p:animEffect transition="in" filter="fade">
+                                      <p:cBhvr>
+                                        <p:cTn id="7" dur="1000"/>
+                                        <p:tgtEl>
+                                          <p:spTgt spid="8"/>
+                                        </p:tgtEl>
+                                      </p:cBhvr>
+                                    </p:animEffect>
+                                  </p:childTnLst>
+                                  <p:subTnLst>
+                                    <p:animClr clrSpc="rgb" dir="cw">
+                                      <p:cBhvr override="childStyle">
+                                        <p:cTn dur="1" fill="hold" display="0" masterRel="nextClick" afterEffect="1"/>
+                                        <p:tgtEl>
+                                          <p:spTgt spid="8"/>
+                                        </p:tgtEl>
+                                        <p:attrNameLst>
+                                          <p:attrName>ppt_c</p:attrName>
+                                        </p:attrNameLst>
+                                      </p:cBhvr>
+                                      <p:to>
+                                        <a:schemeClr val="bg1"/>
+                                      </p:to>
+                                    </p:animClr>
+                                  </p:subTnLst>
+                                </p:cTn>
+                              </p:par>
+                            </p:childTnLst>
+                          </p:cTn>
+                        </p:par>
+                      </p:childTnLst>
+                    </p:cTn>
+                  </p:par>
+                  <p:par>
+                    <p:cTn id="8" fill="hold">
+                      <p:stCondLst>
+                        <p:cond delay="indefinite"/>
+                      </p:stCondLst>
+                      <p:childTnLst>
+                        <p:par>
+                          <p:cTn id="9" fill="hold">
+                            <p:stCondLst>
+                              <p:cond delay="0"/>
+                            </p:stCondLst>
+                            <p:childTnLst>
+                              <p:par>
+                                <p:cTn id="10" presetID="42" presetClass="path" presetSubtype="0" accel="50000" decel="50000" fill="hold" grpId="0" nodeType="clickEffect">
+                                  <p:stCondLst>
+                                    <p:cond delay="0"/>
+                                  </p:stCondLst>
+                                  <p:childTnLst>
+                                    <p:animMotion origin="layout" path="M -3.33333E-6 -2.59259E-6 L 0.00144 0.00371 " pathEditMode="relative" rAng="0" ptsTypes="AA">
+                                      <p:cBhvr>
+                                        <p:cTn id="11" dur="400" fill="hold"/>
+                                        <p:tgtEl>
+                                          <p:spTgt spid="13"/>
+                                        </p:tgtEl>
+                                        <p:attrNameLst>
+                                          <p:attrName>ppt_x</p:attrName>
+                                          <p:attrName>ppt_y</p:attrName>
+                                        </p:attrNameLst>
+                                      </p:cBhvr>
+                                      <p:rCtr x="6500" y="18500"/>
+                                    </p:animMotion>
+                                  </p:childTnLst>
+                                </p:cTn>
+                              </p:par>
+                              <p:par>
+                                <p:cTn id="12" presetID="1" presetClass="emph" presetSubtype="10" fill="hold" nodeType="withEffect">
+                                  <p:stCondLst>
+                                    <p:cond delay="0"/>
+                                  </p:stCondLst>
+                                  <p:childTnLst>
+                                    <p:animClr clrSpc="hsl" dir="ccw">
+                                      <p:cBhvr>
+                                        <p:cTn id="13" dur="400" fill="hold"/>
+                                        <p:tgtEl>
+                                          <p:spTgt spid="13"/>
+                                        </p:tgtEl>
+                                        <p:attrNameLst>
+                                          <p:attrName>fillcolor</p:attrName>
+                                        </p:attrNameLst>
+                                      </p:cBhvr>
+                                      <p:to>
+                                        <a:srgbClr val="665EB8"/>
+                                      </p:to>
+                                    </p:animClr>
+                                    <p:set>
+                                      <p:cBhvr>
+                                        <p:cTn id="14" dur="400" fill="hold"/>
+                                        <p:tgtEl>
+                                          <p:spTgt spid="13"/>
+                                        </p:tgtEl>
+                                        <p:attrNameLst>
+                                          <p:attrName>fill.type</p:attrName>
+                                        </p:attrNameLst>
+                                      </p:cBhvr>
+                                      <p:to>
+                                        <p:strVal val="solid"/>
+                                      </p:to>
+                                    </p:set>
+                                    <p:set>
+                                      <p:cBhvr>
+                                        <p:cTn id="15" dur="400" fill="hold"/>
+                                        <p:tgtEl>
+                                          <p:spTgt spid="13"/>
+                                        </p:tgtEl>
+                                        <p:attrNameLst>
+                                          <p:attrName>fill.on</p:attrName>
+                                        </p:attrNameLst>
+                                      </p:cBhvr>
+                                      <p:to>
+                                        <p:strVal val="true"/>
+                                      </p:to>
+                                    </p:set>
+                                  </p:childTnLst>
+                                </p:cTn>
+                              </p:par>
+                            </p:childTnLst>
+                          </p:cTn>
+                        </p:par>
+                        <p:par>
+                          <p:cTn id="16" fill="hold">
+                            <p:stCondLst>
+                              <p:cond delay="400"/>
+                            </p:stCondLst>
+                            <p:childTnLst>
+                              <p:par>
+                                <p:cTn id="17" presetID="1" presetClass="emph" presetSubtype="2" fill="hold" nodeType="afterEffect">
+                                  <p:stCondLst>
+                                    <p:cond delay="0"/>
+                                  </p:stCondLst>
+                                  <p:childTnLst>
+                                    <p:animClr clrSpc="rgb" dir="cw">
+                                      <p:cBhvr>
+                                        <p:cTn id="18" dur="400" fill="hold"/>
+                                        <p:tgtEl>
+                                          <p:spTgt spid="13"/>
+                                        </p:tgtEl>
+                                        <p:attrNameLst>
+                                          <p:attrName>fillcolor</p:attrName>
+                                        </p:attrNameLst>
+                                      </p:cBhvr>
+                                      <p:to>
+                                        <a:srgbClr val="2C0070"/>
+                                      </p:to>
+                                    </p:animClr>
+                                    <p:set>
+                                      <p:cBhvr>
+                                        <p:cTn id="19" dur="400" fill="hold"/>
+                                        <p:tgtEl>
+                                          <p:spTgt spid="13"/>
+                                        </p:tgtEl>
+                                        <p:attrNameLst>
+                                          <p:attrName>fill.type</p:attrName>
+                                        </p:attrNameLst>
+                                      </p:cBhvr>
+                                      <p:to>
+                                        <p:strVal val="solid"/>
+                                      </p:to>
+                                    </p:set>
+                                    <p:set>
+                                      <p:cBhvr>
+                                        <p:cTn id="20" dur="400" fill="hold"/>
+                                        <p:tgtEl>
+                                          <p:spTgt spid="13"/>
+                                        </p:tgtEl>
+                                        <p:attrNameLst>
+                                          <p:attrName>fill.on</p:attrName>
+                                        </p:attrNameLst>
+                                      </p:cBhvr>
+                                      <p:to>
+                                        <p:strVal val="true"/>
+                                      </p:to>
+                                    </p:set>
+                                  </p:childTnLst>
+                                </p:cTn>
+                              </p:par>
+                              <p:par>
+                                <p:cTn id="21" presetID="42" presetClass="path" presetSubtype="0" accel="50000" decel="50000" fill="hold" grpId="1" nodeType="withEffect">
+                                  <p:stCondLst>
+                                    <p:cond delay="0"/>
+                                  </p:stCondLst>
+                                  <p:childTnLst>
+                                    <p:animMotion origin="layout" path="M 0.00144 0.00371 L -3.75E-6 -2.25514E-17 " pathEditMode="relative" rAng="0" ptsTypes="AA">
+                                      <p:cBhvr>
+                                        <p:cTn id="22" dur="400" fill="hold"/>
+                                        <p:tgtEl>
+                                          <p:spTgt spid="13"/>
+                                        </p:tgtEl>
+                                        <p:attrNameLst>
+                                          <p:attrName>ppt_x</p:attrName>
+                                          <p:attrName>ppt_y</p:attrName>
+                                        </p:attrNameLst>
+                                      </p:cBhvr>
+                                      <p:rCtr x="-6500" y="-13900"/>
+                                    </p:animMotion>
+                                  </p:childTnLst>
+                                </p:cTn>
+                              </p:par>
+                            </p:childTnLst>
+                          </p:cTn>
+                        </p:par>
+                      </p:childTnLst>
+                    </p:cTn>
+                  </p:par>
+                </p:childTnLst>
+              </p:cTn>
+              <p:prevCondLst>
+                <p:cond evt="onPrev" delay="0">
+                  <p:tgtEl>
+                    <p:sldTgt/>
+                  </p:tgtEl>
+                </p:cond>
+              </p:prevCondLst>
+              <p:nextCondLst>
+                <p:cond evt="onNext" delay="0">
+                  <p:tgtEl>
+                    <p:sldTgt/>
+                  </p:tgtEl>
+                </p:cond>
+              </p:nextCondLst>
+            </p:seq>
+          </p:childTnLst>
+        </p:cTn>
+      </p:par>
+    </p:tnLst>
+    <p:bldLst>
+      <p:bldP spid="13" grpId="0" animBg="1"/>
+      <p:bldP spid="13" grpId="1" animBg="1"/>
+    </p:bldLst>
+  </p:timing>
+</p:sld>
+</file>
+
 <file path=ppt/slides/slide2.xml><?xml version="1.0" encoding="utf-8"?>
 <p:sld xmlns:a="http://schemas.openxmlformats.org/drawingml/2006/main" xmlns:r="http://schemas.openxmlformats.org/officeDocument/2006/relationships" xmlns:p="http://schemas.openxmlformats.org/presentationml/2006/main">
   <p:cSld>
@@ -5221,6 +5860,134 @@
 </file>
 
 <file path=ppt/slides/slide6.xml><?xml version="1.0" encoding="utf-8"?>
+<p:sld xmlns:a="http://schemas.openxmlformats.org/drawingml/2006/main" xmlns:r="http://schemas.openxmlformats.org/officeDocument/2006/relationships" xmlns:p="http://schemas.openxmlformats.org/presentationml/2006/main">
+  <p:cSld>
+    <p:spTree>
+      <p:nvGrpSpPr>
+        <p:cNvPr id="1" name=""/>
+        <p:cNvGrpSpPr/>
+        <p:nvPr/>
+      </p:nvGrpSpPr>
+      <p:grpSpPr>
+        <a:xfrm>
+          <a:off x="0" y="0"/>
+          <a:ext cx="0" cy="0"/>
+          <a:chOff x="0" y="0"/>
+          <a:chExt cx="0" cy="0"/>
+        </a:xfrm>
+      </p:grpSpPr>
+      <p:sp>
+        <p:nvSpPr>
+          <p:cNvPr id="2" name="Title 1">
+            <a:extLst>
+              <a:ext uri="{FF2B5EF4-FFF2-40B4-BE49-F238E27FC236}">
+                <a16:creationId xmlns:a16="http://schemas.microsoft.com/office/drawing/2014/main" id="{EE7325AF-2D93-2592-43E2-0896849E4073}"/>
+              </a:ext>
+            </a:extLst>
+          </p:cNvPr>
+          <p:cNvSpPr>
+            <a:spLocks noGrp="1"/>
+          </p:cNvSpPr>
+          <p:nvPr>
+            <p:ph type="title"/>
+          </p:nvPr>
+        </p:nvSpPr>
+        <p:spPr/>
+        <p:txBody>
+          <a:bodyPr/>
+          <a:lstStyle/>
+          <a:p>
+            <a:endParaRPr lang="en-ZA"/>
+          </a:p>
+        </p:txBody>
+      </p:sp>
+      <p:pic>
+        <p:nvPicPr>
+          <p:cNvPr id="7" name="Picture 6" descr="Graphical user interface, application&#10;&#10;Description automatically generated">
+            <a:extLst>
+              <a:ext uri="{FF2B5EF4-FFF2-40B4-BE49-F238E27FC236}">
+                <a16:creationId xmlns:a16="http://schemas.microsoft.com/office/drawing/2014/main" id="{31CCE5D9-B513-A67D-706A-68B275704945}"/>
+              </a:ext>
+            </a:extLst>
+          </p:cNvPr>
+          <p:cNvPicPr>
+            <a:picLocks noChangeAspect="1"/>
+          </p:cNvPicPr>
+          <p:nvPr/>
+        </p:nvPicPr>
+        <p:blipFill>
+          <a:blip r:embed="rId2">
+            <a:extLst>
+              <a:ext uri="{28A0092B-C50C-407E-A947-70E740481C1C}">
+                <a14:useLocalDpi xmlns:a14="http://schemas.microsoft.com/office/drawing/2010/main" val="0"/>
+              </a:ext>
+            </a:extLst>
+          </a:blip>
+          <a:stretch>
+            <a:fillRect/>
+          </a:stretch>
+        </p:blipFill>
+        <p:spPr>
+          <a:xfrm>
+            <a:off x="138485" y="120810"/>
+            <a:ext cx="11972650" cy="5811543"/>
+          </a:xfrm>
+          <a:prstGeom prst="rect">
+            <a:avLst/>
+          </a:prstGeom>
+        </p:spPr>
+      </p:pic>
+      <p:pic>
+        <p:nvPicPr>
+          <p:cNvPr id="5" name="Content Placeholder 4" descr="Graphical user interface, application&#10;&#10;Description automatically generated">
+            <a:extLst>
+              <a:ext uri="{FF2B5EF4-FFF2-40B4-BE49-F238E27FC236}">
+                <a16:creationId xmlns:a16="http://schemas.microsoft.com/office/drawing/2014/main" id="{3933C2D6-9F06-8AA4-B493-BF98C29A6B50}"/>
+              </a:ext>
+            </a:extLst>
+          </p:cNvPr>
+          <p:cNvPicPr>
+            <a:picLocks noGrp="1" noChangeAspect="1"/>
+          </p:cNvPicPr>
+          <p:nvPr>
+            <p:ph idx="1"/>
+          </p:nvPr>
+        </p:nvPicPr>
+        <p:blipFill rotWithShape="1">
+          <a:blip r:embed="rId3">
+            <a:extLst>
+              <a:ext uri="{28A0092B-C50C-407E-A947-70E740481C1C}">
+                <a14:useLocalDpi xmlns:a14="http://schemas.microsoft.com/office/drawing/2010/main" val="0"/>
+              </a:ext>
+            </a:extLst>
+          </a:blip>
+          <a:srcRect t="53038"/>
+          <a:stretch/>
+        </p:blipFill>
+        <p:spPr>
+          <a:xfrm>
+            <a:off x="119822" y="4081528"/>
+            <a:ext cx="11917777" cy="2713380"/>
+          </a:xfrm>
+        </p:spPr>
+      </p:pic>
+    </p:spTree>
+    <p:extLst>
+      <p:ext uri="{BB962C8B-B14F-4D97-AF65-F5344CB8AC3E}">
+        <p14:creationId xmlns:p14="http://schemas.microsoft.com/office/powerpoint/2010/main" val="615438569"/>
+      </p:ext>
+    </p:extLst>
+  </p:cSld>
+  <p:clrMapOvr>
+    <a:masterClrMapping/>
+  </p:clrMapOvr>
+  <p:transition spd="slow">
+    <p:cover/>
+  </p:transition>
+</p:sld>
+</file>
+
+<file path=ppt/slides/slide7.xml><?xml version="1.0" encoding="utf-8"?>
 <p:sld xmlns:a="http://schemas.openxmlformats.org/drawingml/2006/main" xmlns:r="http://schemas.openxmlformats.org/officeDocument/2006/relationships" xmlns:p="http://schemas.openxmlformats.org/presentationml/2006/main">
   <p:cSld>
     <p:spTree>
@@ -6118,7 +6885,7 @@
 </p:sld>
 </file>
 
-<file path=ppt/slides/slide7.xml><?xml version="1.0" encoding="utf-8"?>
+<file path=ppt/slides/slide8.xml><?xml version="1.0" encoding="utf-8"?>
 <p:sld xmlns:a="http://schemas.openxmlformats.org/drawingml/2006/main" xmlns:r="http://schemas.openxmlformats.org/officeDocument/2006/relationships" xmlns:p="http://schemas.openxmlformats.org/presentationml/2006/main">
   <p:cSld>
     <p:spTree>
@@ -6447,309 +7214,46 @@
           </a:p>
         </p:txBody>
       </p:sp>
+      <p:pic>
+        <p:nvPicPr>
+          <p:cNvPr id="5" name="Picture 4" descr="Chart, bar chart, funnel chart&#10;&#10;Description automatically generated">
+            <a:extLst>
+              <a:ext uri="{FF2B5EF4-FFF2-40B4-BE49-F238E27FC236}">
+                <a16:creationId xmlns:a16="http://schemas.microsoft.com/office/drawing/2014/main" id="{6C112C09-B312-E8C0-B92E-6BEB973599FF}"/>
+              </a:ext>
+            </a:extLst>
+          </p:cNvPr>
+          <p:cNvPicPr>
+            <a:picLocks noChangeAspect="1"/>
+          </p:cNvPicPr>
+          <p:nvPr/>
+        </p:nvPicPr>
+        <p:blipFill>
+          <a:blip r:embed="rId2">
+            <a:extLst>
+              <a:ext uri="{28A0092B-C50C-407E-A947-70E740481C1C}">
+                <a14:useLocalDpi xmlns:a14="http://schemas.microsoft.com/office/drawing/2010/main" val="0"/>
+              </a:ext>
+            </a:extLst>
+          </a:blip>
+          <a:stretch>
+            <a:fillRect/>
+          </a:stretch>
+        </p:blipFill>
+        <p:spPr>
+          <a:xfrm>
+            <a:off x="5075852" y="4033095"/>
+            <a:ext cx="3363033" cy="2057055"/>
+          </a:xfrm>
+          <a:prstGeom prst="rect">
+            <a:avLst/>
+          </a:prstGeom>
+        </p:spPr>
+      </p:pic>
     </p:spTree>
     <p:extLst>
       <p:ext uri="{BB962C8B-B14F-4D97-AF65-F5344CB8AC3E}">
         <p14:creationId xmlns:p14="http://schemas.microsoft.com/office/powerpoint/2010/main" val="3949647984"/>
-      </p:ext>
-    </p:extLst>
-  </p:cSld>
-  <p:clrMapOvr>
-    <a:masterClrMapping/>
-  </p:clrMapOvr>
-  <p:transition spd="slow">
-    <p:cover/>
-  </p:transition>
-</p:sld>
-</file>
-
-<file path=ppt/slides/slide8.xml><?xml version="1.0" encoding="utf-8"?>
-<p:sld xmlns:a="http://schemas.openxmlformats.org/drawingml/2006/main" xmlns:r="http://schemas.openxmlformats.org/officeDocument/2006/relationships" xmlns:p="http://schemas.openxmlformats.org/presentationml/2006/main">
-  <p:cSld>
-    <p:spTree>
-      <p:nvGrpSpPr>
-        <p:cNvPr id="1" name=""/>
-        <p:cNvGrpSpPr/>
-        <p:nvPr/>
-      </p:nvGrpSpPr>
-      <p:grpSpPr>
-        <a:xfrm>
-          <a:off x="0" y="0"/>
-          <a:ext cx="0" cy="0"/>
-          <a:chOff x="0" y="0"/>
-          <a:chExt cx="0" cy="0"/>
-        </a:xfrm>
-      </p:grpSpPr>
-      <p:sp>
-        <p:nvSpPr>
-          <p:cNvPr id="3" name="Content Placeholder 2">
-            <a:extLst>
-              <a:ext uri="{FF2B5EF4-FFF2-40B4-BE49-F238E27FC236}">
-                <a16:creationId xmlns:a16="http://schemas.microsoft.com/office/drawing/2014/main" id="{075F6F2F-1B25-60BD-55C1-464CB49758EA}"/>
-              </a:ext>
-            </a:extLst>
-          </p:cNvPr>
-          <p:cNvSpPr>
-            <a:spLocks noGrp="1"/>
-          </p:cNvSpPr>
-          <p:nvPr>
-            <p:ph idx="1"/>
-          </p:nvPr>
-        </p:nvSpPr>
-        <p:spPr>
-          <a:xfrm>
-            <a:off x="838200" y="1956254"/>
-            <a:ext cx="10515600" cy="4351338"/>
-          </a:xfrm>
-          <a:prstGeom prst="roundRect">
-            <a:avLst>
-              <a:gd name="adj" fmla="val 5597"/>
-            </a:avLst>
-          </a:prstGeom>
-          <a:solidFill>
-            <a:schemeClr val="bg1"/>
-          </a:solidFill>
-          <a:effectLst>
-            <a:outerShdw blurRad="50800" dist="38100" dir="2700000" algn="tl" rotWithShape="0">
-              <a:schemeClr val="bg2">
-                <a:alpha val="40000"/>
-              </a:schemeClr>
-            </a:outerShdw>
-          </a:effectLst>
-        </p:spPr>
-        <p:txBody>
-          <a:bodyPr lIns="252000" tIns="252000" rIns="252000" bIns="252000" anchor="ctr" anchorCtr="0">
-            <a:normAutofit/>
-          </a:bodyPr>
-          <a:lstStyle/>
-          <a:p>
-            <a:pPr marL="0" indent="0">
-              <a:buNone/>
-            </a:pPr>
-            <a:r>
-              <a:rPr lang="af-ZA" sz="2400" dirty="0"/>
-              <a:t>Data Trained and Tested on total quantities per day:</a:t>
-            </a:r>
-          </a:p>
-        </p:txBody>
-      </p:sp>
-      <p:sp>
-        <p:nvSpPr>
-          <p:cNvPr id="4" name="Subtitle 2">
-            <a:extLst>
-              <a:ext uri="{FF2B5EF4-FFF2-40B4-BE49-F238E27FC236}">
-                <a16:creationId xmlns:a16="http://schemas.microsoft.com/office/drawing/2014/main" id="{7366785B-F070-D73C-8FEC-2556736FC276}"/>
-              </a:ext>
-            </a:extLst>
-          </p:cNvPr>
-          <p:cNvSpPr txBox="1">
-            <a:spLocks/>
-          </p:cNvSpPr>
-          <p:nvPr/>
-        </p:nvSpPr>
-        <p:spPr>
-          <a:xfrm>
-            <a:off x="838199" y="388112"/>
-            <a:ext cx="10515599" cy="1076415"/>
-          </a:xfrm>
-          <a:prstGeom prst="roundRect">
-            <a:avLst/>
-          </a:prstGeom>
-          <a:solidFill>
-            <a:schemeClr val="bg1"/>
-          </a:solidFill>
-          <a:effectLst>
-            <a:outerShdw blurRad="50800" dist="38100" dir="2700000" algn="tl" rotWithShape="0">
-              <a:schemeClr val="bg2">
-                <a:alpha val="40000"/>
-              </a:schemeClr>
-            </a:outerShdw>
-          </a:effectLst>
-        </p:spPr>
-        <p:txBody>
-          <a:bodyPr vert="horz" wrap="square" lIns="180000" tIns="180000" rIns="180000" bIns="180000" rtlCol="0">
-            <a:spAutoFit/>
-          </a:bodyPr>
-          <a:lstStyle>
-            <a:lvl1pPr marL="228600" indent="-228600" algn="l" defTabSz="914400" rtl="0" eaLnBrk="1" latinLnBrk="0" hangingPunct="1">
-              <a:lnSpc>
-                <a:spcPct val="90000"/>
-              </a:lnSpc>
-              <a:spcBef>
-                <a:spcPts val="1000"/>
-              </a:spcBef>
-              <a:buFont typeface="Arial" panose="020B0604020202020204" pitchFamily="34" charset="0"/>
-              <a:buChar char="•"/>
-              <a:defRPr sz="2800" kern="1200">
-                <a:solidFill>
-                  <a:schemeClr val="tx1"/>
-                </a:solidFill>
-                <a:latin typeface="+mn-lt"/>
-                <a:ea typeface="+mn-ea"/>
-                <a:cs typeface="+mn-cs"/>
-              </a:defRPr>
-            </a:lvl1pPr>
-            <a:lvl2pPr marL="685800" indent="-228600" algn="l" defTabSz="914400" rtl="0" eaLnBrk="1" latinLnBrk="0" hangingPunct="1">
-              <a:lnSpc>
-                <a:spcPct val="90000"/>
-              </a:lnSpc>
-              <a:spcBef>
-                <a:spcPts val="500"/>
-              </a:spcBef>
-              <a:buFont typeface="Arial" panose="020B0604020202020204" pitchFamily="34" charset="0"/>
-              <a:buChar char="•"/>
-              <a:defRPr sz="2400" kern="1200">
-                <a:solidFill>
-                  <a:schemeClr val="tx1"/>
-                </a:solidFill>
-                <a:latin typeface="+mn-lt"/>
-                <a:ea typeface="+mn-ea"/>
-                <a:cs typeface="+mn-cs"/>
-              </a:defRPr>
-            </a:lvl2pPr>
-            <a:lvl3pPr marL="1143000" indent="-228600" algn="l" defTabSz="914400" rtl="0" eaLnBrk="1" latinLnBrk="0" hangingPunct="1">
-              <a:lnSpc>
-                <a:spcPct val="90000"/>
-              </a:lnSpc>
-              <a:spcBef>
-                <a:spcPts val="500"/>
-              </a:spcBef>
-              <a:buFont typeface="Arial" panose="020B0604020202020204" pitchFamily="34" charset="0"/>
-              <a:buChar char="•"/>
-              <a:defRPr sz="2000" kern="1200">
-                <a:solidFill>
-                  <a:schemeClr val="tx1"/>
-                </a:solidFill>
-                <a:latin typeface="+mn-lt"/>
-                <a:ea typeface="+mn-ea"/>
-                <a:cs typeface="+mn-cs"/>
-              </a:defRPr>
-            </a:lvl3pPr>
-            <a:lvl4pPr marL="1600200" indent="-228600" algn="l" defTabSz="914400" rtl="0" eaLnBrk="1" latinLnBrk="0" hangingPunct="1">
-              <a:lnSpc>
-                <a:spcPct val="90000"/>
-              </a:lnSpc>
-              <a:spcBef>
-                <a:spcPts val="500"/>
-              </a:spcBef>
-              <a:buFont typeface="Arial" panose="020B0604020202020204" pitchFamily="34" charset="0"/>
-              <a:buChar char="•"/>
-              <a:defRPr sz="1800" kern="1200">
-                <a:solidFill>
-                  <a:schemeClr val="tx1"/>
-                </a:solidFill>
-                <a:latin typeface="+mn-lt"/>
-                <a:ea typeface="+mn-ea"/>
-                <a:cs typeface="+mn-cs"/>
-              </a:defRPr>
-            </a:lvl4pPr>
-            <a:lvl5pPr marL="2057400" indent="-228600" algn="l" defTabSz="914400" rtl="0" eaLnBrk="1" latinLnBrk="0" hangingPunct="1">
-              <a:lnSpc>
-                <a:spcPct val="90000"/>
-              </a:lnSpc>
-              <a:spcBef>
-                <a:spcPts val="500"/>
-              </a:spcBef>
-              <a:buFont typeface="Arial" panose="020B0604020202020204" pitchFamily="34" charset="0"/>
-              <a:buChar char="•"/>
-              <a:defRPr sz="1800" kern="1200">
-                <a:solidFill>
-                  <a:schemeClr val="tx1"/>
-                </a:solidFill>
-                <a:latin typeface="+mn-lt"/>
-                <a:ea typeface="+mn-ea"/>
-                <a:cs typeface="+mn-cs"/>
-              </a:defRPr>
-            </a:lvl5pPr>
-            <a:lvl6pPr marL="2514600" indent="-228600" algn="l" defTabSz="914400" rtl="0" eaLnBrk="1" latinLnBrk="0" hangingPunct="1">
-              <a:lnSpc>
-                <a:spcPct val="90000"/>
-              </a:lnSpc>
-              <a:spcBef>
-                <a:spcPts val="500"/>
-              </a:spcBef>
-              <a:buFont typeface="Arial" panose="020B0604020202020204" pitchFamily="34" charset="0"/>
-              <a:buChar char="•"/>
-              <a:defRPr sz="1800" kern="1200">
-                <a:solidFill>
-                  <a:schemeClr val="tx1"/>
-                </a:solidFill>
-                <a:latin typeface="+mn-lt"/>
-                <a:ea typeface="+mn-ea"/>
-                <a:cs typeface="+mn-cs"/>
-              </a:defRPr>
-            </a:lvl6pPr>
-            <a:lvl7pPr marL="2971800" indent="-228600" algn="l" defTabSz="914400" rtl="0" eaLnBrk="1" latinLnBrk="0" hangingPunct="1">
-              <a:lnSpc>
-                <a:spcPct val="90000"/>
-              </a:lnSpc>
-              <a:spcBef>
-                <a:spcPts val="500"/>
-              </a:spcBef>
-              <a:buFont typeface="Arial" panose="020B0604020202020204" pitchFamily="34" charset="0"/>
-              <a:buChar char="•"/>
-              <a:defRPr sz="1800" kern="1200">
-                <a:solidFill>
-                  <a:schemeClr val="tx1"/>
-                </a:solidFill>
-                <a:latin typeface="+mn-lt"/>
-                <a:ea typeface="+mn-ea"/>
-                <a:cs typeface="+mn-cs"/>
-              </a:defRPr>
-            </a:lvl7pPr>
-            <a:lvl8pPr marL="3429000" indent="-228600" algn="l" defTabSz="914400" rtl="0" eaLnBrk="1" latinLnBrk="0" hangingPunct="1">
-              <a:lnSpc>
-                <a:spcPct val="90000"/>
-              </a:lnSpc>
-              <a:spcBef>
-                <a:spcPts val="500"/>
-              </a:spcBef>
-              <a:buFont typeface="Arial" panose="020B0604020202020204" pitchFamily="34" charset="0"/>
-              <a:buChar char="•"/>
-              <a:defRPr sz="1800" kern="1200">
-                <a:solidFill>
-                  <a:schemeClr val="tx1"/>
-                </a:solidFill>
-                <a:latin typeface="+mn-lt"/>
-                <a:ea typeface="+mn-ea"/>
-                <a:cs typeface="+mn-cs"/>
-              </a:defRPr>
-            </a:lvl8pPr>
-            <a:lvl9pPr marL="3886200" indent="-228600" algn="l" defTabSz="914400" rtl="0" eaLnBrk="1" latinLnBrk="0" hangingPunct="1">
-              <a:lnSpc>
-                <a:spcPct val="90000"/>
-              </a:lnSpc>
-              <a:spcBef>
-                <a:spcPts val="500"/>
-              </a:spcBef>
-              <a:buFont typeface="Arial" panose="020B0604020202020204" pitchFamily="34" charset="0"/>
-              <a:buChar char="•"/>
-              <a:defRPr sz="1800" kern="1200">
-                <a:solidFill>
-                  <a:schemeClr val="tx1"/>
-                </a:solidFill>
-                <a:latin typeface="+mn-lt"/>
-                <a:ea typeface="+mn-ea"/>
-                <a:cs typeface="+mn-cs"/>
-              </a:defRPr>
-            </a:lvl9pPr>
-          </a:lstStyle>
-          <a:p>
-            <a:pPr marL="0" indent="0" algn="ctr">
-              <a:buNone/>
-            </a:pPr>
-            <a:r>
-              <a:rPr lang="af-ZA" sz="4400" b="1" dirty="0"/>
-              <a:t>Solution Walkthrough</a:t>
-            </a:r>
-            <a:endParaRPr lang="en-ZA" sz="4400" b="1" dirty="0"/>
-          </a:p>
-        </p:txBody>
-      </p:sp>
-    </p:spTree>
-    <p:extLst>
-      <p:ext uri="{BB962C8B-B14F-4D97-AF65-F5344CB8AC3E}">
-        <p14:creationId xmlns:p14="http://schemas.microsoft.com/office/powerpoint/2010/main" val="2660034848"/>
       </p:ext>
     </p:extLst>
   </p:cSld>
@@ -6781,10 +7285,95 @@
       </p:grpSpPr>
       <p:sp>
         <p:nvSpPr>
-          <p:cNvPr id="6" name="Subtitle 2">
-            <a:extLst>
-              <a:ext uri="{FF2B5EF4-FFF2-40B4-BE49-F238E27FC236}">
-                <a16:creationId xmlns:a16="http://schemas.microsoft.com/office/drawing/2014/main" id="{1B31E151-014A-459A-197C-A6550CAF3D54}"/>
+          <p:cNvPr id="3" name="Content Placeholder 2">
+            <a:extLst>
+              <a:ext uri="{FF2B5EF4-FFF2-40B4-BE49-F238E27FC236}">
+                <a16:creationId xmlns:a16="http://schemas.microsoft.com/office/drawing/2014/main" id="{075F6F2F-1B25-60BD-55C1-464CB49758EA}"/>
+              </a:ext>
+            </a:extLst>
+          </p:cNvPr>
+          <p:cNvSpPr>
+            <a:spLocks noGrp="1"/>
+          </p:cNvSpPr>
+          <p:nvPr>
+            <p:ph idx="1"/>
+          </p:nvPr>
+        </p:nvSpPr>
+        <p:spPr>
+          <a:xfrm>
+            <a:off x="838200" y="1956254"/>
+            <a:ext cx="10515600" cy="4351338"/>
+          </a:xfrm>
+          <a:prstGeom prst="roundRect">
+            <a:avLst>
+              <a:gd name="adj" fmla="val 5597"/>
+            </a:avLst>
+          </a:prstGeom>
+          <a:solidFill>
+            <a:schemeClr val="bg1"/>
+          </a:solidFill>
+          <a:effectLst>
+            <a:outerShdw blurRad="50800" dist="38100" dir="2700000" algn="tl" rotWithShape="0">
+              <a:schemeClr val="bg2">
+                <a:alpha val="40000"/>
+              </a:schemeClr>
+            </a:outerShdw>
+          </a:effectLst>
+        </p:spPr>
+        <p:txBody>
+          <a:bodyPr lIns="252000" tIns="252000" rIns="252000" bIns="252000" anchor="ctr" anchorCtr="0">
+            <a:normAutofit/>
+          </a:bodyPr>
+          <a:lstStyle/>
+          <a:p>
+            <a:pPr marL="0" indent="0">
+              <a:buNone/>
+            </a:pPr>
+            <a:endParaRPr lang="af-ZA" sz="2400" dirty="0"/>
+          </a:p>
+          <a:p>
+            <a:pPr marL="0" indent="0">
+              <a:buNone/>
+            </a:pPr>
+            <a:endParaRPr lang="af-ZA" sz="2400" dirty="0"/>
+          </a:p>
+          <a:p>
+            <a:pPr marL="0" indent="0">
+              <a:buNone/>
+            </a:pPr>
+            <a:endParaRPr lang="af-ZA" sz="2400" dirty="0"/>
+          </a:p>
+          <a:p>
+            <a:pPr marL="0" indent="0">
+              <a:buNone/>
+            </a:pPr>
+            <a:endParaRPr lang="af-ZA" sz="2400" dirty="0"/>
+          </a:p>
+          <a:p>
+            <a:pPr algn="ctr"/>
+            <a:endParaRPr lang="af-ZA" sz="2400" dirty="0"/>
+          </a:p>
+          <a:p>
+            <a:pPr algn="ctr"/>
+            <a:endParaRPr lang="af-ZA" sz="2400" dirty="0"/>
+          </a:p>
+          <a:p>
+            <a:pPr marL="0" indent="0" algn="ctr">
+              <a:buNone/>
+            </a:pPr>
+            <a:r>
+              <a:rPr lang="af-ZA" sz="2400" dirty="0"/>
+              <a:t>Data Trained and Tested on total quantities per day</a:t>
+            </a:r>
+          </a:p>
+        </p:txBody>
+      </p:sp>
+      <p:sp>
+        <p:nvSpPr>
+          <p:cNvPr id="4" name="Subtitle 2">
+            <a:extLst>
+              <a:ext uri="{FF2B5EF4-FFF2-40B4-BE49-F238E27FC236}">
+                <a16:creationId xmlns:a16="http://schemas.microsoft.com/office/drawing/2014/main" id="{7366785B-F070-D73C-8FEC-2556736FC276}"/>
               </a:ext>
             </a:extLst>
           </p:cNvPr>
@@ -6795,8 +7384,8 @@
         </p:nvSpPr>
         <p:spPr>
           <a:xfrm>
-            <a:off x="2367157" y="3013379"/>
-            <a:ext cx="7457686" cy="831241"/>
+            <a:off x="838199" y="388112"/>
+            <a:ext cx="10515599" cy="1076415"/>
           </a:xfrm>
           <a:prstGeom prst="roundRect">
             <a:avLst/>
@@ -6981,127 +7570,93 @@
             </a:lvl9pPr>
           </a:lstStyle>
           <a:p>
-            <a:pPr marL="0" indent="0">
+            <a:pPr marL="0" indent="0" algn="ctr">
               <a:buNone/>
             </a:pPr>
             <a:r>
-              <a:rPr lang="af-ZA" dirty="0"/>
-              <a:t>Thank you</a:t>
-            </a:r>
-            <a:endParaRPr lang="en-ZA" dirty="0"/>
-          </a:p>
-        </p:txBody>
-      </p:sp>
-      <p:cxnSp>
-        <p:nvCxnSpPr>
-          <p:cNvPr id="8" name="Straight Connector 7">
-            <a:extLst>
-              <a:ext uri="{FF2B5EF4-FFF2-40B4-BE49-F238E27FC236}">
-                <a16:creationId xmlns:a16="http://schemas.microsoft.com/office/drawing/2014/main" id="{836926AE-85FE-4909-46E4-1B57A3E57804}"/>
-              </a:ext>
-            </a:extLst>
-          </p:cNvPr>
-          <p:cNvCxnSpPr>
-            <a:cxnSpLocks/>
-          </p:cNvCxnSpPr>
+              <a:rPr lang="af-ZA" sz="4400" b="1" dirty="0"/>
+              <a:t>Solution Walkthrough</a:t>
+            </a:r>
+            <a:endParaRPr lang="en-ZA" sz="4400" b="1" dirty="0"/>
+          </a:p>
+        </p:txBody>
+      </p:sp>
+      <p:pic>
+        <p:nvPicPr>
+          <p:cNvPr id="5" name="Picture 4" descr="Chart, line chart&#10;&#10;Description automatically generated">
+            <a:extLst>
+              <a:ext uri="{FF2B5EF4-FFF2-40B4-BE49-F238E27FC236}">
+                <a16:creationId xmlns:a16="http://schemas.microsoft.com/office/drawing/2014/main" id="{CDB4605D-673F-953E-734F-485B3467DD3A}"/>
+              </a:ext>
+            </a:extLst>
+          </p:cNvPr>
+          <p:cNvPicPr>
+            <a:picLocks noChangeAspect="1"/>
+          </p:cNvPicPr>
           <p:nvPr/>
-        </p:nvCxnSpPr>
+        </p:nvPicPr>
+        <p:blipFill>
+          <a:blip r:embed="rId2">
+            <a:extLst>
+              <a:ext uri="{28A0092B-C50C-407E-A947-70E740481C1C}">
+                <a14:useLocalDpi xmlns:a14="http://schemas.microsoft.com/office/drawing/2010/main" val="0"/>
+              </a:ext>
+            </a:extLst>
+          </a:blip>
+          <a:stretch>
+            <a:fillRect/>
+          </a:stretch>
+        </p:blipFill>
         <p:spPr>
-          <a:xfrm flipV="1">
-            <a:off x="4214245" y="3157566"/>
-            <a:ext cx="0" cy="457200"/>
+          <a:xfrm>
+            <a:off x="1547812" y="2403555"/>
+            <a:ext cx="4982549" cy="2603352"/>
           </a:xfrm>
-          <a:prstGeom prst="line">
+          <a:prstGeom prst="rect">
             <a:avLst/>
           </a:prstGeom>
-          <a:ln>
-            <a:solidFill>
-              <a:schemeClr val="tx1"/>
-            </a:solidFill>
-          </a:ln>
         </p:spPr>
-        <p:style>
-          <a:lnRef idx="1">
-            <a:schemeClr val="accent1"/>
-          </a:lnRef>
-          <a:fillRef idx="0">
-            <a:schemeClr val="accent1"/>
-          </a:fillRef>
-          <a:effectRef idx="0">
-            <a:schemeClr val="accent1"/>
-          </a:effectRef>
-          <a:fontRef idx="minor">
-            <a:schemeClr val="tx1"/>
-          </a:fontRef>
-        </p:style>
-      </p:cxnSp>
-      <p:sp>
-        <p:nvSpPr>
-          <p:cNvPr id="13" name="Rectangle: Rounded Corners 12">
-            <a:extLst>
-              <a:ext uri="{FF2B5EF4-FFF2-40B4-BE49-F238E27FC236}">
-                <a16:creationId xmlns:a16="http://schemas.microsoft.com/office/drawing/2014/main" id="{C4AC2E61-F5C5-9381-278D-90DD2B0800B4}"/>
-              </a:ext>
-            </a:extLst>
-          </p:cNvPr>
-          <p:cNvSpPr/>
+      </p:pic>
+      <p:pic>
+        <p:nvPicPr>
+          <p:cNvPr id="7" name="Picture 6" descr="Chart&#10;&#10;Description automatically generated with medium confidence">
+            <a:extLst>
+              <a:ext uri="{FF2B5EF4-FFF2-40B4-BE49-F238E27FC236}">
+                <a16:creationId xmlns:a16="http://schemas.microsoft.com/office/drawing/2014/main" id="{ECEE143C-6821-40B2-4465-5FDE680902EB}"/>
+              </a:ext>
+            </a:extLst>
+          </p:cNvPr>
+          <p:cNvPicPr>
+            <a:picLocks noChangeAspect="1"/>
+          </p:cNvPicPr>
           <p:nvPr/>
-        </p:nvSpPr>
+        </p:nvPicPr>
+        <p:blipFill>
+          <a:blip r:embed="rId3">
+            <a:extLst>
+              <a:ext uri="{28A0092B-C50C-407E-A947-70E740481C1C}">
+                <a14:useLocalDpi xmlns:a14="http://schemas.microsoft.com/office/drawing/2010/main" val="0"/>
+              </a:ext>
+            </a:extLst>
+          </a:blip>
+          <a:stretch>
+            <a:fillRect/>
+          </a:stretch>
+        </p:blipFill>
         <p:spPr>
           <a:xfrm>
-            <a:off x="8379524" y="3157566"/>
-            <a:ext cx="1276346" cy="526256"/>
+            <a:off x="6848086" y="2671019"/>
+            <a:ext cx="3925338" cy="2068423"/>
           </a:xfrm>
-          <a:prstGeom prst="roundRect">
+          <a:prstGeom prst="rect">
             <a:avLst/>
           </a:prstGeom>
-          <a:solidFill>
-            <a:srgbClr val="2C0070"/>
-          </a:solidFill>
-          <a:ln>
-            <a:noFill/>
-          </a:ln>
-          <a:effectLst>
-            <a:outerShdw blurRad="50800" dist="38100" dir="2700000" algn="tl" rotWithShape="0">
-              <a:schemeClr val="tx1">
-                <a:alpha val="40000"/>
-              </a:schemeClr>
-            </a:outerShdw>
-          </a:effectLst>
         </p:spPr>
-        <p:style>
-          <a:lnRef idx="2">
-            <a:schemeClr val="accent1">
-              <a:shade val="50000"/>
-            </a:schemeClr>
-          </a:lnRef>
-          <a:fillRef idx="1">
-            <a:schemeClr val="accent1"/>
-          </a:fillRef>
-          <a:effectRef idx="0">
-            <a:schemeClr val="accent1"/>
-          </a:effectRef>
-          <a:fontRef idx="minor">
-            <a:schemeClr val="lt1"/>
-          </a:fontRef>
-        </p:style>
-        <p:txBody>
-          <a:bodyPr rtlCol="0" anchor="ctr"/>
-          <a:lstStyle/>
-          <a:p>
-            <a:pPr algn="ctr"/>
-            <a:r>
-              <a:rPr lang="af-ZA" dirty="0"/>
-              <a:t>Send</a:t>
-            </a:r>
-            <a:endParaRPr lang="en-ZA" dirty="0"/>
-          </a:p>
-        </p:txBody>
-      </p:sp>
+      </p:pic>
     </p:spTree>
     <p:extLst>
       <p:ext uri="{BB962C8B-B14F-4D97-AF65-F5344CB8AC3E}">
-        <p14:creationId xmlns:p14="http://schemas.microsoft.com/office/powerpoint/2010/main" val="1591879513"/>
+        <p14:creationId xmlns:p14="http://schemas.microsoft.com/office/powerpoint/2010/main" val="2660034848"/>
       </p:ext>
     </p:extLst>
   </p:cSld>
@@ -7111,292 +7666,6 @@
   <p:transition spd="slow">
     <p:cover/>
   </p:transition>
-  <p:timing>
-    <p:tnLst>
-      <p:par>
-        <p:cTn id="1" dur="indefinite" restart="never" nodeType="tmRoot">
-          <p:childTnLst>
-            <p:seq concurrent="1" nextAc="seek">
-              <p:cTn id="2" dur="indefinite" nodeType="mainSeq">
-                <p:childTnLst>
-                  <p:par>
-                    <p:cTn id="3" fill="hold">
-                      <p:stCondLst>
-                        <p:cond delay="indefinite"/>
-                        <p:cond evt="onBegin" delay="0">
-                          <p:tn val="2"/>
-                        </p:cond>
-                      </p:stCondLst>
-                      <p:childTnLst>
-                        <p:par>
-                          <p:cTn id="4" fill="hold">
-                            <p:stCondLst>
-                              <p:cond delay="0"/>
-                            </p:stCondLst>
-                            <p:childTnLst>
-                              <p:par>
-                                <p:cTn id="5" presetID="10" presetClass="entr" presetSubtype="0" repeatCount="indefinite" fill="hold" nodeType="withEffect">
-                                  <p:stCondLst>
-                                    <p:cond delay="0"/>
-                                  </p:stCondLst>
-                                  <p:endCondLst>
-                                    <p:cond evt="onNext" delay="0">
-                                      <p:tgtEl>
-                                        <p:sldTgt/>
-                                      </p:tgtEl>
-                                    </p:cond>
-                                  </p:endCondLst>
-                                  <p:childTnLst>
-                                    <p:set>
-                                      <p:cBhvr>
-                                        <p:cTn id="6" dur="1" fill="hold">
-                                          <p:stCondLst>
-                                            <p:cond delay="0"/>
-                                          </p:stCondLst>
-                                        </p:cTn>
-                                        <p:tgtEl>
-                                          <p:spTgt spid="8"/>
-                                        </p:tgtEl>
-                                        <p:attrNameLst>
-                                          <p:attrName>style.visibility</p:attrName>
-                                        </p:attrNameLst>
-                                      </p:cBhvr>
-                                      <p:to>
-                                        <p:strVal val="visible"/>
-                                      </p:to>
-                                    </p:set>
-                                    <p:animEffect transition="in" filter="fade">
-                                      <p:cBhvr>
-                                        <p:cTn id="7" dur="1000"/>
-                                        <p:tgtEl>
-                                          <p:spTgt spid="8"/>
-                                        </p:tgtEl>
-                                      </p:cBhvr>
-                                    </p:animEffect>
-                                  </p:childTnLst>
-                                  <p:subTnLst>
-                                    <p:animClr clrSpc="rgb" dir="cw">
-                                      <p:cBhvr override="childStyle">
-                                        <p:cTn dur="1" fill="hold" display="0" masterRel="nextClick" afterEffect="1"/>
-                                        <p:tgtEl>
-                                          <p:spTgt spid="8"/>
-                                        </p:tgtEl>
-                                        <p:attrNameLst>
-                                          <p:attrName>ppt_c</p:attrName>
-                                        </p:attrNameLst>
-                                      </p:cBhvr>
-                                      <p:to>
-                                        <a:schemeClr val="bg1"/>
-                                      </p:to>
-                                    </p:animClr>
-                                  </p:subTnLst>
-                                </p:cTn>
-                              </p:par>
-                            </p:childTnLst>
-                          </p:cTn>
-                        </p:par>
-                      </p:childTnLst>
-                    </p:cTn>
-                  </p:par>
-                  <p:par>
-                    <p:cTn id="8" fill="hold">
-                      <p:stCondLst>
-                        <p:cond delay="indefinite"/>
-                      </p:stCondLst>
-                      <p:childTnLst>
-                        <p:par>
-                          <p:cTn id="9" fill="hold">
-                            <p:stCondLst>
-                              <p:cond delay="0"/>
-                            </p:stCondLst>
-                            <p:childTnLst>
-                              <p:par>
-                                <p:cTn id="10" presetID="42" presetClass="path" presetSubtype="0" accel="50000" decel="50000" fill="hold" grpId="0" nodeType="clickEffect">
-                                  <p:stCondLst>
-                                    <p:cond delay="0"/>
-                                  </p:stCondLst>
-                                  <p:childTnLst>
-                                    <p:animMotion origin="layout" path="M -3.33333E-6 -2.59259E-6 L 0.00144 0.00371 " pathEditMode="relative" rAng="0" ptsTypes="AA">
-                                      <p:cBhvr>
-                                        <p:cTn id="11" dur="400" fill="hold"/>
-                                        <p:tgtEl>
-                                          <p:spTgt spid="13"/>
-                                        </p:tgtEl>
-                                        <p:attrNameLst>
-                                          <p:attrName>ppt_x</p:attrName>
-                                          <p:attrName>ppt_y</p:attrName>
-                                        </p:attrNameLst>
-                                      </p:cBhvr>
-                                      <p:rCtr x="6500" y="18500"/>
-                                    </p:animMotion>
-                                  </p:childTnLst>
-                                </p:cTn>
-                              </p:par>
-                              <p:par>
-                                <p:cTn id="12" presetID="1" presetClass="emph" presetSubtype="10" fill="hold" nodeType="withEffect">
-                                  <p:stCondLst>
-                                    <p:cond delay="0"/>
-                                  </p:stCondLst>
-                                  <p:childTnLst>
-                                    <p:animClr clrSpc="hsl" dir="ccw">
-                                      <p:cBhvr>
-                                        <p:cTn id="13" dur="400" fill="hold"/>
-                                        <p:tgtEl>
-                                          <p:spTgt spid="13"/>
-                                        </p:tgtEl>
-                                        <p:attrNameLst>
-                                          <p:attrName>fillcolor</p:attrName>
-                                        </p:attrNameLst>
-                                      </p:cBhvr>
-                                      <p:to>
-                                        <a:srgbClr val="665EB8"/>
-                                      </p:to>
-                                    </p:animClr>
-                                    <p:set>
-                                      <p:cBhvr>
-                                        <p:cTn id="14" dur="400" fill="hold"/>
-                                        <p:tgtEl>
-                                          <p:spTgt spid="13"/>
-                                        </p:tgtEl>
-                                        <p:attrNameLst>
-                                          <p:attrName>fill.type</p:attrName>
-                                        </p:attrNameLst>
-                                      </p:cBhvr>
-                                      <p:to>
-                                        <p:strVal val="solid"/>
-                                      </p:to>
-                                    </p:set>
-                                    <p:set>
-                                      <p:cBhvr>
-                                        <p:cTn id="15" dur="400" fill="hold"/>
-                                        <p:tgtEl>
-                                          <p:spTgt spid="13"/>
-                                        </p:tgtEl>
-                                        <p:attrNameLst>
-                                          <p:attrName>fill.on</p:attrName>
-                                        </p:attrNameLst>
-                                      </p:cBhvr>
-                                      <p:to>
-                                        <p:strVal val="true"/>
-                                      </p:to>
-                                    </p:set>
-                                  </p:childTnLst>
-                                </p:cTn>
-                              </p:par>
-                            </p:childTnLst>
-                          </p:cTn>
-                        </p:par>
-                        <p:par>
-                          <p:cTn id="16" fill="hold">
-                            <p:stCondLst>
-                              <p:cond delay="400"/>
-                            </p:stCondLst>
-                            <p:childTnLst>
-                              <p:par>
-                                <p:cTn id="17" presetID="1" presetClass="emph" presetSubtype="2" fill="hold" nodeType="afterEffect">
-                                  <p:stCondLst>
-                                    <p:cond delay="0"/>
-                                  </p:stCondLst>
-                                  <p:childTnLst>
-                                    <p:animClr clrSpc="rgb" dir="cw">
-                                      <p:cBhvr>
-                                        <p:cTn id="18" dur="400" fill="hold"/>
-                                        <p:tgtEl>
-                                          <p:spTgt spid="13"/>
-                                        </p:tgtEl>
-                                        <p:attrNameLst>
-                                          <p:attrName>fillcolor</p:attrName>
-                                        </p:attrNameLst>
-                                      </p:cBhvr>
-                                      <p:to>
-                                        <a:srgbClr val="2C0070"/>
-                                      </p:to>
-                                    </p:animClr>
-                                    <p:set>
-                                      <p:cBhvr>
-                                        <p:cTn id="19" dur="400" fill="hold"/>
-                                        <p:tgtEl>
-                                          <p:spTgt spid="13"/>
-                                        </p:tgtEl>
-                                        <p:attrNameLst>
-                                          <p:attrName>fill.type</p:attrName>
-                                        </p:attrNameLst>
-                                      </p:cBhvr>
-                                      <p:to>
-                                        <p:strVal val="solid"/>
-                                      </p:to>
-                                    </p:set>
-                                    <p:set>
-                                      <p:cBhvr>
-                                        <p:cTn id="20" dur="400" fill="hold"/>
-                                        <p:tgtEl>
-                                          <p:spTgt spid="13"/>
-                                        </p:tgtEl>
-                                        <p:attrNameLst>
-                                          <p:attrName>fill.on</p:attrName>
-                                        </p:attrNameLst>
-                                      </p:cBhvr>
-                                      <p:to>
-                                        <p:strVal val="true"/>
-                                      </p:to>
-                                    </p:set>
-                                  </p:childTnLst>
-                                </p:cTn>
-                              </p:par>
-                              <p:par>
-                                <p:cTn id="21" presetID="42" presetClass="path" presetSubtype="0" accel="50000" decel="50000" fill="hold" grpId="1" nodeType="withEffect">
-                                  <p:stCondLst>
-                                    <p:cond delay="0"/>
-                                  </p:stCondLst>
-                                  <p:childTnLst>
-                                    <p:animMotion origin="layout" path="M 0.00144 0.00371 L -3.75E-6 -2.25514E-17 " pathEditMode="relative" rAng="0" ptsTypes="AA">
-                                      <p:cBhvr>
-                                        <p:cTn id="22" dur="400" fill="hold"/>
-                                        <p:tgtEl>
-                                          <p:spTgt spid="13"/>
-                                        </p:tgtEl>
-                                        <p:attrNameLst>
-                                          <p:attrName>ppt_x</p:attrName>
-                                          <p:attrName>ppt_y</p:attrName>
-                                        </p:attrNameLst>
-                                      </p:cBhvr>
-                                      <p:rCtr x="-6500" y="-13900"/>
-                                    </p:animMotion>
-                                  </p:childTnLst>
-                                </p:cTn>
-                              </p:par>
-                            </p:childTnLst>
-                          </p:cTn>
-                        </p:par>
-                      </p:childTnLst>
-                    </p:cTn>
-                  </p:par>
-                </p:childTnLst>
-              </p:cTn>
-              <p:prevCondLst>
-                <p:cond evt="onPrev" delay="0">
-                  <p:tgtEl>
-                    <p:sldTgt/>
-                  </p:tgtEl>
-                </p:cond>
-              </p:prevCondLst>
-              <p:nextCondLst>
-                <p:cond evt="onNext" delay="0">
-                  <p:tgtEl>
-                    <p:sldTgt/>
-                  </p:tgtEl>
-                </p:cond>
-              </p:nextCondLst>
-            </p:seq>
-          </p:childTnLst>
-        </p:cTn>
-      </p:par>
-    </p:tnLst>
-    <p:bldLst>
-      <p:bldP spid="13" grpId="0" animBg="1"/>
-      <p:bldP spid="13" grpId="1" animBg="1"/>
-    </p:bldLst>
-  </p:timing>
 </p:sld>
 </file>
 
